--- a/SchoolReport/Final Presentation.pptx
+++ b/SchoolReport/Final Presentation.pptx
@@ -108,6 +108,11 @@
       </a:defRPr>
     </a:lvl9pPr>
   </p:defaultTextStyle>
+  <p:extLst>
+    <p:ext uri="{EFAFB233-063F-42B5-8137-9DF3F51BA10A}">
+      <p15:sldGuideLst xmlns:p15="http://schemas.microsoft.com/office/powerpoint/2012/main"/>
+    </p:ext>
+  </p:extLst>
 </p:presentation>
 </file>
 
@@ -124,7 +129,7 @@
   <pc:docChgLst>
     <pc:chgData name="Allie Burress" userId="2f55098d3171d9f8" providerId="LiveId" clId="{274A5454-349A-4D18-8EC9-85BB1D8C9DB4}"/>
     <pc:docChg chg="custSel addSld modSld sldOrd">
-      <pc:chgData name="Allie Burress" userId="2f55098d3171d9f8" providerId="LiveId" clId="{274A5454-349A-4D18-8EC9-85BB1D8C9DB4}" dt="2019-12-04T18:56:27.105" v="555" actId="20577"/>
+      <pc:chgData name="Allie Burress" userId="2f55098d3171d9f8" providerId="LiveId" clId="{274A5454-349A-4D18-8EC9-85BB1D8C9DB4}" dt="2019-12-04T19:14:12.190" v="779" actId="20577"/>
       <pc:docMkLst>
         <pc:docMk/>
       </pc:docMkLst>
@@ -167,7 +172,7 @@
         </pc:spChg>
       </pc:sldChg>
       <pc:sldChg chg="modSp add">
-        <pc:chgData name="Allie Burress" userId="2f55098d3171d9f8" providerId="LiveId" clId="{274A5454-349A-4D18-8EC9-85BB1D8C9DB4}" dt="2019-12-04T18:51:56.382" v="430" actId="403"/>
+        <pc:chgData name="Allie Burress" userId="2f55098d3171d9f8" providerId="LiveId" clId="{274A5454-349A-4D18-8EC9-85BB1D8C9DB4}" dt="2019-12-04T19:14:12.190" v="779" actId="20577"/>
         <pc:sldMkLst>
           <pc:docMk/>
           <pc:sldMk cId="1568782473" sldId="258"/>
@@ -181,7 +186,7 @@
           </ac:spMkLst>
         </pc:spChg>
         <pc:spChg chg="mod">
-          <ac:chgData name="Allie Burress" userId="2f55098d3171d9f8" providerId="LiveId" clId="{274A5454-349A-4D18-8EC9-85BB1D8C9DB4}" dt="2019-12-04T18:51:56.382" v="430" actId="403"/>
+          <ac:chgData name="Allie Burress" userId="2f55098d3171d9f8" providerId="LiveId" clId="{274A5454-349A-4D18-8EC9-85BB1D8C9DB4}" dt="2019-12-04T19:14:12.190" v="779" actId="20577"/>
           <ac:spMkLst>
             <pc:docMk/>
             <pc:sldMk cId="1568782473" sldId="258"/>
@@ -3803,7 +3808,7 @@
         <p:spPr/>
         <p:txBody>
           <a:bodyPr>
-            <a:normAutofit/>
+            <a:normAutofit fontScale="92500" lnSpcReduction="10000"/>
           </a:bodyPr>
           <a:lstStyle/>
           <a:p>
@@ -3813,7 +3818,11 @@
             </a:r>
           </a:p>
           <a:p>
-            <a:endParaRPr lang="en-US" sz="2400" dirty="0"/>
+            <a:pPr lvl="1"/>
+            <a:r>
+              <a:rPr lang="en-US" sz="2200" dirty="0"/>
+              <a:t>Branching feature</a:t>
+            </a:r>
           </a:p>
           <a:p>
             <a:r>
@@ -3822,7 +3831,11 @@
             </a:r>
           </a:p>
           <a:p>
-            <a:endParaRPr lang="en-US" sz="2400" dirty="0"/>
+            <a:pPr lvl="1"/>
+            <a:r>
+              <a:rPr lang="en-US" sz="2200" dirty="0"/>
+              <a:t>Family-Friendly and pleasant</a:t>
+            </a:r>
           </a:p>
           <a:p>
             <a:r>
@@ -3836,14 +3849,40 @@
               <a:rPr lang="en-US" sz="2000" dirty="0"/>
               <a:t>Scoring System</a:t>
             </a:r>
-          </a:p>
-          <a:p>
             <a:endParaRPr lang="en-US" sz="2400" dirty="0"/>
           </a:p>
           <a:p>
             <a:r>
               <a:rPr lang="en-US" sz="2400" dirty="0"/>
               <a:t>UI</a:t>
+            </a:r>
+          </a:p>
+          <a:p>
+            <a:pPr lvl="1"/>
+            <a:r>
+              <a:rPr lang="en-US" sz="2200" dirty="0"/>
+              <a:t>Layered Windows Forms</a:t>
+            </a:r>
+          </a:p>
+          <a:p>
+            <a:pPr lvl="1"/>
+            <a:r>
+              <a:rPr lang="en-US" sz="2200" dirty="0"/>
+              <a:t>Buttons have consistent appearance</a:t>
+            </a:r>
+          </a:p>
+          <a:p>
+            <a:pPr lvl="1"/>
+            <a:r>
+              <a:rPr lang="en-US" sz="2200" dirty="0"/>
+              <a:t>Self-Explanatory Windows</a:t>
+            </a:r>
+          </a:p>
+          <a:p>
+            <a:pPr lvl="1"/>
+            <a:r>
+              <a:rPr lang="en-US" sz="2200" dirty="0"/>
+              <a:t> </a:t>
             </a:r>
           </a:p>
           <a:p>
